--- a/Data_Mining_Poster.pptx
+++ b/Data_Mining_Poster.pptx
@@ -3766,7 +3766,7 @@
         </p:blipFill>
         <p:spPr>
           <a:xfrm>
-            <a:off x="11372126" y="14290102"/>
+            <a:off x="11372126" y="7590704"/>
             <a:ext cx="4987707" cy="3324158"/>
           </a:xfrm>
           <a:prstGeom prst="rect">
@@ -3796,7 +3796,7 @@
         </p:blipFill>
         <p:spPr>
           <a:xfrm>
-            <a:off x="16665666" y="14398052"/>
+            <a:off x="16665666" y="7698654"/>
             <a:ext cx="4993460" cy="3216208"/>
           </a:xfrm>
           <a:prstGeom prst="rect">
@@ -4606,6 +4606,7 @@
           </a:bodyPr>
           <a:lstStyle/>
           <a:p>
+            <a:pPr algn="just"/>
             <a:r>
               <a:rPr lang="en-US" sz="2400" b="1" dirty="0" smtClean="0"/>
               <a:t>Table 3 – </a:t>
@@ -4625,6 +4626,53 @@
             <a:r>
               <a:rPr lang="en-US" sz="2400" dirty="0" err="1" smtClean="0"/>
               <a:t>worldnews</a:t>
+            </a:r>
+            <a:endParaRPr lang="en-US" sz="2400" b="1" dirty="0"/>
+          </a:p>
+        </p:txBody>
+      </p:sp>
+      <p:sp>
+        <p:nvSpPr>
+          <p:cNvPr id="2" name="TextBox 1"/>
+          <p:cNvSpPr txBox="1"/>
+          <p:nvPr/>
+        </p:nvSpPr>
+        <p:spPr>
+          <a:xfrm>
+            <a:off x="11372126" y="11379200"/>
+            <a:ext cx="10287000" cy="1200328"/>
+          </a:xfrm>
+          <a:prstGeom prst="rect">
+            <a:avLst/>
+          </a:prstGeom>
+          <a:noFill/>
+        </p:spPr>
+        <p:txBody>
+          <a:bodyPr wrap="square" rtlCol="0">
+            <a:spAutoFit/>
+          </a:bodyPr>
+          <a:lstStyle/>
+          <a:p>
+            <a:pPr algn="just"/>
+            <a:r>
+              <a:rPr lang="en-US" sz="2400" b="1" dirty="0" smtClean="0"/>
+              <a:t>Figure ?? – </a:t>
+            </a:r>
+            <a:r>
+              <a:rPr lang="en-US" sz="2400" dirty="0" err="1" smtClean="0"/>
+              <a:t>Wordle</a:t>
+            </a:r>
+            <a:r>
+              <a:rPr lang="en-US" sz="2400" dirty="0" smtClean="0"/>
+              <a:t> representation of k-means clustering of </a:t>
+            </a:r>
+            <a:r>
+              <a:rPr lang="en-US" sz="2400" dirty="0" err="1" smtClean="0"/>
+              <a:t>reddit</a:t>
+            </a:r>
+            <a:r>
+              <a:rPr lang="en-US" sz="2400" dirty="0" smtClean="0"/>
+              <a:t> users. (Left) cluster of users who post and follow professional sports.  (Right) Users who are involved in fantasy sports leagues.</a:t>
             </a:r>
             <a:endParaRPr lang="en-US" sz="2400" b="1" dirty="0"/>
           </a:p>

--- a/Data_Mining_Poster.pptx
+++ b/Data_Mining_Poster.pptx
@@ -3766,8 +3766,8 @@
         </p:blipFill>
         <p:spPr>
           <a:xfrm>
-            <a:off x="11372126" y="7590704"/>
-            <a:ext cx="4987707" cy="3324158"/>
+            <a:off x="11372126" y="6970022"/>
+            <a:ext cx="5158736" cy="3438144"/>
           </a:xfrm>
           <a:prstGeom prst="rect">
             <a:avLst/>
@@ -3796,8 +3796,8 @@
         </p:blipFill>
         <p:spPr>
           <a:xfrm>
-            <a:off x="16665666" y="7698654"/>
-            <a:ext cx="4993460" cy="3216208"/>
+            <a:off x="16317244" y="7011413"/>
+            <a:ext cx="5341882" cy="3440621"/>
           </a:xfrm>
           <a:prstGeom prst="rect">
             <a:avLst/>
@@ -4639,7 +4639,7 @@
         </p:nvSpPr>
         <p:spPr>
           <a:xfrm>
-            <a:off x="11372126" y="11379200"/>
+            <a:off x="11372126" y="10280297"/>
             <a:ext cx="10287000" cy="1200328"/>
           </a:xfrm>
           <a:prstGeom prst="rect">
@@ -4673,6 +4673,410 @@
             <a:r>
               <a:rPr lang="en-US" sz="2400" dirty="0" smtClean="0"/>
               <a:t> users. (Left) cluster of users who post and follow professional sports.  (Right) Users who are involved in fantasy sports leagues.</a:t>
+            </a:r>
+            <a:endParaRPr lang="en-US" sz="2400" b="1" dirty="0"/>
+          </a:p>
+        </p:txBody>
+      </p:sp>
+      <p:sp>
+        <p:nvSpPr>
+          <p:cNvPr id="3" name="TextBox 2"/>
+          <p:cNvSpPr txBox="1"/>
+          <p:nvPr/>
+        </p:nvSpPr>
+        <p:spPr>
+          <a:xfrm>
+            <a:off x="22570261" y="14630400"/>
+            <a:ext cx="10058400" cy="4524315"/>
+          </a:xfrm>
+          <a:prstGeom prst="rect">
+            <a:avLst/>
+          </a:prstGeom>
+          <a:noFill/>
+        </p:spPr>
+        <p:txBody>
+          <a:bodyPr wrap="square" rtlCol="0">
+            <a:spAutoFit/>
+          </a:bodyPr>
+          <a:lstStyle/>
+          <a:p>
+            <a:r>
+              <a:rPr lang="en-US" sz="3200" dirty="0" smtClean="0"/>
+              <a:t>We find:</a:t>
+            </a:r>
+          </a:p>
+          <a:p>
+            <a:pPr marL="514350" indent="-514350">
+              <a:buFont typeface="+mj-lt"/>
+              <a:buAutoNum type="arabicPeriod"/>
+            </a:pPr>
+            <a:r>
+              <a:rPr lang="en-US" sz="3200" dirty="0" smtClean="0"/>
+              <a:t>The words alone do not give a good indicator of post likeability.</a:t>
+            </a:r>
+          </a:p>
+          <a:p>
+            <a:pPr marL="514350" indent="-514350">
+              <a:buFont typeface="+mj-lt"/>
+              <a:buAutoNum type="arabicPeriod"/>
+            </a:pPr>
+            <a:r>
+              <a:rPr lang="en-US" sz="3200" dirty="0" smtClean="0"/>
+              <a:t>Most of the similarity comes from posts with a very large number of likes (&gt;1000)</a:t>
+            </a:r>
+          </a:p>
+          <a:p>
+            <a:pPr marL="514350" indent="-514350">
+              <a:buFont typeface="+mj-lt"/>
+              <a:buAutoNum type="arabicPeriod"/>
+            </a:pPr>
+            <a:r>
+              <a:rPr lang="en-US" sz="3200" dirty="0" smtClean="0"/>
+              <a:t>It is possible to uncover relationships between </a:t>
+            </a:r>
+            <a:r>
+              <a:rPr lang="en-US" sz="3200" dirty="0" err="1" smtClean="0"/>
+              <a:t>reddit</a:t>
+            </a:r>
+            <a:r>
+              <a:rPr lang="en-US" sz="3200" dirty="0" smtClean="0"/>
+              <a:t> posts by examining user postings</a:t>
+            </a:r>
+          </a:p>
+          <a:p>
+            <a:pPr marL="514350" indent="-514350">
+              <a:buFont typeface="+mj-lt"/>
+              <a:buAutoNum type="arabicPeriod"/>
+            </a:pPr>
+            <a:endParaRPr lang="en-US" sz="3200" dirty="0" smtClean="0"/>
+          </a:p>
+          <a:p>
+            <a:pPr marL="514350" indent="-514350">
+              <a:buFont typeface="+mj-lt"/>
+              <a:buAutoNum type="arabicPeriod"/>
+            </a:pPr>
+            <a:endParaRPr lang="en-US" sz="3200" dirty="0" smtClean="0"/>
+          </a:p>
+        </p:txBody>
+      </p:sp>
+      <p:graphicFrame>
+        <p:nvGraphicFramePr>
+          <p:cNvPr id="23" name="Table 22"/>
+          <p:cNvGraphicFramePr>
+            <a:graphicFrameLocks noGrp="1"/>
+          </p:cNvGraphicFramePr>
+          <p:nvPr>
+            <p:extLst>
+              <p:ext uri="{D42A27DB-BD31-4B8C-83A1-F6EECF244321}">
+                <p14:modId xmlns:p14="http://schemas.microsoft.com/office/powerpoint/2010/main" val="1581464656"/>
+              </p:ext>
+            </p:extLst>
+          </p:nvPr>
+        </p:nvGraphicFramePr>
+        <p:xfrm>
+          <a:off x="11372126" y="11733167"/>
+          <a:ext cx="6172200" cy="2286000"/>
+        </p:xfrm>
+        <a:graphic>
+          <a:graphicData uri="http://schemas.openxmlformats.org/drawingml/2006/table">
+            <a:tbl>
+              <a:tblPr firstRow="1" bandRow="1">
+                <a:tableStyleId>{5C22544A-7EE6-4342-B048-85BDC9FD1C3A}</a:tableStyleId>
+              </a:tblPr>
+              <a:tblGrid>
+                <a:gridCol w="2057400"/>
+                <a:gridCol w="2057400"/>
+                <a:gridCol w="2057400"/>
+              </a:tblGrid>
+              <a:tr h="417683">
+                <a:tc>
+                  <a:txBody>
+                    <a:bodyPr/>
+                    <a:lstStyle/>
+                    <a:p>
+                      <a:pPr algn="ctr"/>
+                      <a:r>
+                        <a:rPr lang="en-US" sz="2400" dirty="0" smtClean="0"/>
+                        <a:t>Algorithm</a:t>
+                      </a:r>
+                      <a:endParaRPr lang="en-US" sz="2400" dirty="0"/>
+                    </a:p>
+                  </a:txBody>
+                  <a:tcPr/>
+                </a:tc>
+                <a:tc>
+                  <a:txBody>
+                    <a:bodyPr/>
+                    <a:lstStyle/>
+                    <a:p>
+                      <a:pPr algn="ctr"/>
+                      <a:r>
+                        <a:rPr lang="en-US" sz="2400" dirty="0" smtClean="0"/>
+                        <a:t>Parameters</a:t>
+                      </a:r>
+                      <a:endParaRPr lang="en-US" sz="2400" dirty="0"/>
+                    </a:p>
+                  </a:txBody>
+                  <a:tcPr/>
+                </a:tc>
+                <a:tc>
+                  <a:txBody>
+                    <a:bodyPr/>
+                    <a:lstStyle/>
+                    <a:p>
+                      <a:pPr algn="ctr"/>
+                      <a:r>
+                        <a:rPr lang="en-US" sz="2400" dirty="0" smtClean="0"/>
+                        <a:t>Time (sec)</a:t>
+                      </a:r>
+                      <a:endParaRPr lang="en-US" sz="2400" dirty="0"/>
+                    </a:p>
+                  </a:txBody>
+                  <a:tcPr/>
+                </a:tc>
+              </a:tr>
+              <a:tr h="449813">
+                <a:tc>
+                  <a:txBody>
+                    <a:bodyPr/>
+                    <a:lstStyle/>
+                    <a:p>
+                      <a:pPr algn="ctr"/>
+                      <a:r>
+                        <a:rPr lang="en-US" sz="2400" dirty="0" smtClean="0"/>
+                        <a:t>k-means</a:t>
+                      </a:r>
+                      <a:endParaRPr lang="en-US" sz="2400" dirty="0"/>
+                    </a:p>
+                  </a:txBody>
+                  <a:tcPr/>
+                </a:tc>
+                <a:tc>
+                  <a:txBody>
+                    <a:bodyPr/>
+                    <a:lstStyle/>
+                    <a:p>
+                      <a:pPr algn="ctr"/>
+                      <a:r>
+                        <a:rPr lang="en-US" sz="2400" dirty="0" smtClean="0"/>
+                        <a:t>-</a:t>
+                      </a:r>
+                      <a:endParaRPr lang="en-US" sz="2400" dirty="0"/>
+                    </a:p>
+                  </a:txBody>
+                  <a:tcPr/>
+                </a:tc>
+                <a:tc>
+                  <a:txBody>
+                    <a:bodyPr/>
+                    <a:lstStyle/>
+                    <a:p>
+                      <a:pPr algn="ctr"/>
+                      <a:r>
+                        <a:rPr lang="en-US" sz="2400" dirty="0" smtClean="0"/>
+                        <a:t>287</a:t>
+                      </a:r>
+                      <a:endParaRPr lang="en-US" sz="2400" dirty="0"/>
+                    </a:p>
+                  </a:txBody>
+                  <a:tcPr/>
+                </a:tc>
+              </a:tr>
+              <a:tr h="449813">
+                <a:tc>
+                  <a:txBody>
+                    <a:bodyPr/>
+                    <a:lstStyle/>
+                    <a:p>
+                      <a:pPr algn="ctr"/>
+                      <a:r>
+                        <a:rPr lang="en-US" sz="2400" dirty="0" smtClean="0"/>
+                        <a:t>k-means SVD</a:t>
+                      </a:r>
+                      <a:endParaRPr lang="en-US" sz="2400" dirty="0"/>
+                    </a:p>
+                  </a:txBody>
+                  <a:tcPr/>
+                </a:tc>
+                <a:tc>
+                  <a:txBody>
+                    <a:bodyPr/>
+                    <a:lstStyle/>
+                    <a:p>
+                      <a:pPr algn="ctr"/>
+                      <a:r>
+                        <a:rPr lang="en-US" sz="2400" dirty="0" smtClean="0"/>
+                        <a:t>k</a:t>
+                      </a:r>
+                      <a:r>
+                        <a:rPr lang="en-US" sz="2400" baseline="0" dirty="0" smtClean="0"/>
+                        <a:t> </a:t>
+                      </a:r>
+                      <a:r>
+                        <a:rPr lang="en-US" sz="2400" dirty="0" smtClean="0"/>
+                        <a:t>= 60</a:t>
+                      </a:r>
+                      <a:endParaRPr lang="en-US" sz="2400" dirty="0"/>
+                    </a:p>
+                  </a:txBody>
+                  <a:tcPr/>
+                </a:tc>
+                <a:tc>
+                  <a:txBody>
+                    <a:bodyPr/>
+                    <a:lstStyle/>
+                    <a:p>
+                      <a:pPr algn="ctr"/>
+                      <a:r>
+                        <a:rPr lang="en-US" sz="2400" dirty="0" smtClean="0"/>
+                        <a:t>13</a:t>
+                      </a:r>
+                      <a:endParaRPr lang="en-US" sz="2400" dirty="0"/>
+                    </a:p>
+                  </a:txBody>
+                  <a:tcPr/>
+                </a:tc>
+              </a:tr>
+              <a:tr h="449813">
+                <a:tc>
+                  <a:txBody>
+                    <a:bodyPr/>
+                    <a:lstStyle/>
+                    <a:p>
+                      <a:pPr algn="ctr"/>
+                      <a:r>
+                        <a:rPr lang="en-US" sz="2400" dirty="0" smtClean="0"/>
+                        <a:t>k-means JLT</a:t>
+                      </a:r>
+                      <a:endParaRPr lang="en-US" sz="2400" dirty="0"/>
+                    </a:p>
+                  </a:txBody>
+                  <a:tcPr/>
+                </a:tc>
+                <a:tc>
+                  <a:txBody>
+                    <a:bodyPr/>
+                    <a:lstStyle/>
+                    <a:p>
+                      <a:pPr algn="ctr"/>
+                      <a:r>
+                        <a:rPr lang="en-US" sz="2400" dirty="0" smtClean="0"/>
+                        <a:t>k = 100</a:t>
+                      </a:r>
+                      <a:endParaRPr lang="en-US" sz="2400" dirty="0"/>
+                    </a:p>
+                  </a:txBody>
+                  <a:tcPr/>
+                </a:tc>
+                <a:tc>
+                  <a:txBody>
+                    <a:bodyPr/>
+                    <a:lstStyle/>
+                    <a:p>
+                      <a:pPr algn="ctr"/>
+                      <a:r>
+                        <a:rPr lang="en-US" sz="2400" dirty="0" smtClean="0"/>
+                        <a:t>28</a:t>
+                      </a:r>
+                      <a:endParaRPr lang="en-US" sz="2400" dirty="0"/>
+                    </a:p>
+                  </a:txBody>
+                  <a:tcPr/>
+                </a:tc>
+              </a:tr>
+              <a:tr h="449813">
+                <a:tc>
+                  <a:txBody>
+                    <a:bodyPr/>
+                    <a:lstStyle/>
+                    <a:p>
+                      <a:pPr algn="ctr"/>
+                      <a:r>
+                        <a:rPr lang="en-US" sz="2400" dirty="0" smtClean="0"/>
+                        <a:t>k-means LSH</a:t>
+                      </a:r>
+                      <a:endParaRPr lang="en-US" sz="2400" dirty="0"/>
+                    </a:p>
+                  </a:txBody>
+                  <a:tcPr/>
+                </a:tc>
+                <a:tc>
+                  <a:txBody>
+                    <a:bodyPr/>
+                    <a:lstStyle/>
+                    <a:p>
+                      <a:pPr algn="ctr"/>
+                      <a:r>
+                        <a:rPr lang="en-US" sz="2400" dirty="0" smtClean="0"/>
+                        <a:t>B=6, r =</a:t>
+                      </a:r>
+                      <a:r>
+                        <a:rPr lang="en-US" sz="2400" baseline="0" dirty="0" smtClean="0"/>
+                        <a:t> 30</a:t>
+                      </a:r>
+                      <a:endParaRPr lang="en-US" sz="2400" dirty="0"/>
+                    </a:p>
+                  </a:txBody>
+                  <a:tcPr/>
+                </a:tc>
+                <a:tc>
+                  <a:txBody>
+                    <a:bodyPr/>
+                    <a:lstStyle/>
+                    <a:p>
+                      <a:pPr algn="ctr"/>
+                      <a:r>
+                        <a:rPr lang="en-US" sz="2400" dirty="0" smtClean="0"/>
+                        <a:t>283</a:t>
+                      </a:r>
+                      <a:endParaRPr lang="en-US" sz="2400" dirty="0"/>
+                    </a:p>
+                  </a:txBody>
+                  <a:tcPr/>
+                </a:tc>
+              </a:tr>
+            </a:tbl>
+          </a:graphicData>
+        </a:graphic>
+      </p:graphicFrame>
+      <p:sp>
+        <p:nvSpPr>
+          <p:cNvPr id="24" name="TextBox 23"/>
+          <p:cNvSpPr txBox="1"/>
+          <p:nvPr/>
+        </p:nvSpPr>
+        <p:spPr>
+          <a:xfrm>
+            <a:off x="17857288" y="11733167"/>
+            <a:ext cx="3801838" cy="2677656"/>
+          </a:xfrm>
+          <a:prstGeom prst="rect">
+            <a:avLst/>
+          </a:prstGeom>
+          <a:noFill/>
+        </p:spPr>
+        <p:txBody>
+          <a:bodyPr wrap="square" rtlCol="0">
+            <a:spAutoFit/>
+          </a:bodyPr>
+          <a:lstStyle/>
+          <a:p>
+            <a:pPr algn="just"/>
+            <a:r>
+              <a:rPr lang="en-US" sz="2400" b="1" dirty="0" smtClean="0"/>
+              <a:t>Table 3 – </a:t>
+            </a:r>
+            <a:r>
+              <a:rPr lang="en-US" sz="2400" dirty="0" smtClean="0"/>
+              <a:t>Comparison of clustering implementations.  </a:t>
+            </a:r>
+            <a:r>
+              <a:rPr lang="en-US" sz="2400" dirty="0" err="1" smtClean="0"/>
+              <a:t>Hyperparameters</a:t>
+            </a:r>
+            <a:r>
+              <a:rPr lang="en-US" sz="2400" dirty="0" smtClean="0"/>
+              <a:t> that gave the same average distance between points as vanilla k-means were used to assess speed. </a:t>
             </a:r>
             <a:endParaRPr lang="en-US" sz="2400" b="1" dirty="0"/>
           </a:p>

--- a/Data_Mining_Poster.pptx
+++ b/Data_Mining_Poster.pptx
@@ -3156,8 +3156,8 @@
         </p:nvSpPr>
         <p:spPr bwMode="auto">
           <a:xfrm>
-            <a:off x="9396206" y="2494130"/>
-            <a:ext cx="14123404" cy="840228"/>
+            <a:off x="9538373" y="2494130"/>
+            <a:ext cx="13839071" cy="840228"/>
           </a:xfrm>
           <a:prstGeom prst="rect">
             <a:avLst/>
@@ -3194,12 +3194,12 @@
           <a:p>
             <a:pPr algn="ctr"/>
             <a:r>
-              <a:rPr lang="en-US" sz="4800" b="1" dirty="0" err="1" smtClean="0"/>
-              <a:t>Micheal</a:t>
-            </a:r>
-            <a:r>
               <a:rPr lang="en-US" sz="4800" b="1" dirty="0" smtClean="0"/>
-              <a:t> Matheny, Nicolas </a:t>
+              <a:t>Michael </a:t>
+            </a:r>
+            <a:r>
+              <a:rPr lang="en-US" sz="4800" b="1" dirty="0" smtClean="0"/>
+              <a:t>Matheny, Nicolas </a:t>
             </a:r>
             <a:r>
               <a:rPr lang="en-US" sz="4800" b="1" dirty="0" err="1" smtClean="0"/>

--- a/Data_Mining_Poster.pptx
+++ b/Data_Mining_Poster.pptx
@@ -288,7 +288,7 @@
           <a:p>
             <a:fld id="{23685279-96FB-CA4C-B2F3-6AAFBE788078}" type="datetimeFigureOut">
               <a:rPr lang="en-US" smtClean="0"/>
-              <a:t>4/19/15</a:t>
+              <a:t>4/20/15</a:t>
             </a:fld>
             <a:endParaRPr lang="en-US"/>
           </a:p>
@@ -458,7 +458,7 @@
           <a:p>
             <a:fld id="{23685279-96FB-CA4C-B2F3-6AAFBE788078}" type="datetimeFigureOut">
               <a:rPr lang="en-US" smtClean="0"/>
-              <a:t>4/19/15</a:t>
+              <a:t>4/20/15</a:t>
             </a:fld>
             <a:endParaRPr lang="en-US"/>
           </a:p>
@@ -638,7 +638,7 @@
           <a:p>
             <a:fld id="{23685279-96FB-CA4C-B2F3-6AAFBE788078}" type="datetimeFigureOut">
               <a:rPr lang="en-US" smtClean="0"/>
-              <a:t>4/19/15</a:t>
+              <a:t>4/20/15</a:t>
             </a:fld>
             <a:endParaRPr lang="en-US"/>
           </a:p>
@@ -808,7 +808,7 @@
           <a:p>
             <a:fld id="{23685279-96FB-CA4C-B2F3-6AAFBE788078}" type="datetimeFigureOut">
               <a:rPr lang="en-US" smtClean="0"/>
-              <a:t>4/19/15</a:t>
+              <a:t>4/20/15</a:t>
             </a:fld>
             <a:endParaRPr lang="en-US"/>
           </a:p>
@@ -1054,7 +1054,7 @@
           <a:p>
             <a:fld id="{23685279-96FB-CA4C-B2F3-6AAFBE788078}" type="datetimeFigureOut">
               <a:rPr lang="en-US" smtClean="0"/>
-              <a:t>4/19/15</a:t>
+              <a:t>4/20/15</a:t>
             </a:fld>
             <a:endParaRPr lang="en-US"/>
           </a:p>
@@ -1342,7 +1342,7 @@
           <a:p>
             <a:fld id="{23685279-96FB-CA4C-B2F3-6AAFBE788078}" type="datetimeFigureOut">
               <a:rPr lang="en-US" smtClean="0"/>
-              <a:t>4/19/15</a:t>
+              <a:t>4/20/15</a:t>
             </a:fld>
             <a:endParaRPr lang="en-US"/>
           </a:p>
@@ -1769,7 +1769,7 @@
           <a:p>
             <a:fld id="{23685279-96FB-CA4C-B2F3-6AAFBE788078}" type="datetimeFigureOut">
               <a:rPr lang="en-US" smtClean="0"/>
-              <a:t>4/19/15</a:t>
+              <a:t>4/20/15</a:t>
             </a:fld>
             <a:endParaRPr lang="en-US"/>
           </a:p>
@@ -1887,7 +1887,7 @@
           <a:p>
             <a:fld id="{23685279-96FB-CA4C-B2F3-6AAFBE788078}" type="datetimeFigureOut">
               <a:rPr lang="en-US" smtClean="0"/>
-              <a:t>4/19/15</a:t>
+              <a:t>4/20/15</a:t>
             </a:fld>
             <a:endParaRPr lang="en-US"/>
           </a:p>
@@ -1982,7 +1982,7 @@
           <a:p>
             <a:fld id="{23685279-96FB-CA4C-B2F3-6AAFBE788078}" type="datetimeFigureOut">
               <a:rPr lang="en-US" smtClean="0"/>
-              <a:t>4/19/15</a:t>
+              <a:t>4/20/15</a:t>
             </a:fld>
             <a:endParaRPr lang="en-US"/>
           </a:p>
@@ -2259,7 +2259,7 @@
           <a:p>
             <a:fld id="{23685279-96FB-CA4C-B2F3-6AAFBE788078}" type="datetimeFigureOut">
               <a:rPr lang="en-US" smtClean="0"/>
-              <a:t>4/19/15</a:t>
+              <a:t>4/20/15</a:t>
             </a:fld>
             <a:endParaRPr lang="en-US"/>
           </a:p>
@@ -2512,7 +2512,7 @@
           <a:p>
             <a:fld id="{23685279-96FB-CA4C-B2F3-6AAFBE788078}" type="datetimeFigureOut">
               <a:rPr lang="en-US" smtClean="0"/>
-              <a:t>4/19/15</a:t>
+              <a:t>4/20/15</a:t>
             </a:fld>
             <a:endParaRPr lang="en-US"/>
           </a:p>
@@ -2725,7 +2725,7 @@
           <a:p>
             <a:fld id="{23685279-96FB-CA4C-B2F3-6AAFBE788078}" type="datetimeFigureOut">
               <a:rPr lang="en-US" smtClean="0"/>
-              <a:t>4/19/15</a:t>
+              <a:t>4/20/15</a:t>
             </a:fld>
             <a:endParaRPr lang="en-US"/>
           </a:p>
@@ -3110,8 +3110,8 @@
         </p:nvSpPr>
         <p:spPr bwMode="auto">
           <a:xfrm>
-            <a:off x="0" y="2"/>
-            <a:ext cx="32918400" cy="2418485"/>
+            <a:off x="0" y="3"/>
+            <a:ext cx="32918400" cy="1930398"/>
           </a:xfrm>
           <a:prstGeom prst="rect">
             <a:avLst/>
@@ -3156,7 +3156,7 @@
         </p:nvSpPr>
         <p:spPr bwMode="auto">
           <a:xfrm>
-            <a:off x="9538373" y="2494130"/>
+            <a:off x="9538373" y="2240130"/>
             <a:ext cx="13839071" cy="840228"/>
           </a:xfrm>
           <a:prstGeom prst="rect">
@@ -3195,11 +3195,7 @@
             <a:pPr algn="ctr"/>
             <a:r>
               <a:rPr lang="en-US" sz="4800" b="1" dirty="0" smtClean="0"/>
-              <a:t>Michael </a:t>
-            </a:r>
-            <a:r>
-              <a:rPr lang="en-US" sz="4800" b="1" dirty="0" smtClean="0"/>
-              <a:t>Matheny, Nicolas </a:t>
+              <a:t>Michael Matheny, Nicolas </a:t>
             </a:r>
             <a:r>
               <a:rPr lang="en-US" sz="4800" b="1" dirty="0" err="1" smtClean="0"/>
@@ -3210,8 +3206,8 @@
               <a:t>, Mathew </a:t>
             </a:r>
             <a:r>
-              <a:rPr lang="en-US" sz="4800" b="1" dirty="0" err="1" smtClean="0"/>
-              <a:t>Ardnt</a:t>
+              <a:rPr lang="en-US" sz="4800" b="1" dirty="0" smtClean="0"/>
+              <a:t>Arndt</a:t>
             </a:r>
             <a:endParaRPr lang="en-US" sz="4800" b="1" baseline="30000" dirty="0"/>
           </a:p>
@@ -3227,7 +3223,7 @@
         </p:nvSpPr>
         <p:spPr bwMode="auto">
           <a:xfrm>
-            <a:off x="173992" y="4149078"/>
+            <a:off x="173992" y="3641078"/>
             <a:ext cx="10287000" cy="818285"/>
           </a:xfrm>
           <a:prstGeom prst="rect">
@@ -3293,7 +3289,7 @@
         </p:nvSpPr>
         <p:spPr bwMode="auto">
           <a:xfrm>
-            <a:off x="11372126" y="4149077"/>
+            <a:off x="11372126" y="3641077"/>
             <a:ext cx="10287000" cy="818285"/>
           </a:xfrm>
           <a:prstGeom prst="rect">
@@ -3359,7 +3355,7 @@
         </p:nvSpPr>
         <p:spPr bwMode="auto">
           <a:xfrm>
-            <a:off x="22570261" y="4149077"/>
+            <a:off x="22570261" y="3641077"/>
             <a:ext cx="10058400" cy="818286"/>
           </a:xfrm>
           <a:prstGeom prst="rect">
@@ -3425,7 +3421,7 @@
         </p:nvSpPr>
         <p:spPr bwMode="auto">
           <a:xfrm>
-            <a:off x="22570261" y="13200882"/>
+            <a:off x="22570261" y="14056654"/>
             <a:ext cx="10058398" cy="818285"/>
           </a:xfrm>
           <a:prstGeom prst="rect">
@@ -3491,8 +3487,8 @@
         </p:nvSpPr>
         <p:spPr bwMode="auto">
           <a:xfrm>
-            <a:off x="176636" y="13200883"/>
-            <a:ext cx="10287000" cy="818285"/>
+            <a:off x="176636" y="14056654"/>
+            <a:ext cx="21482489" cy="818285"/>
           </a:xfrm>
           <a:prstGeom prst="rect">
             <a:avLst/>
@@ -3555,8 +3551,8 @@
         </p:nvSpPr>
         <p:spPr>
           <a:xfrm>
-            <a:off x="173992" y="5441753"/>
-            <a:ext cx="10286999" cy="9941185"/>
+            <a:off x="176636" y="4933755"/>
+            <a:ext cx="10284355" cy="7971413"/>
           </a:xfrm>
           <a:prstGeom prst="rect">
             <a:avLst/>
@@ -3636,12 +3632,16 @@
             </a:r>
             <a:r>
               <a:rPr lang="en-US" sz="3200" dirty="0" smtClean="0"/>
-              <a:t> data by examining three questions:</a:t>
+              <a:t> data by examining three questions</a:t>
+            </a:r>
+            <a:r>
+              <a:rPr lang="en-US" sz="3200" dirty="0" smtClean="0"/>
+              <a:t>:</a:t>
             </a:r>
           </a:p>
           <a:p>
             <a:pPr algn="just"/>
-            <a:endParaRPr lang="en-US" sz="3200" dirty="0"/>
+            <a:endParaRPr lang="en-US" sz="3200" dirty="0" smtClean="0"/>
           </a:p>
           <a:p>
             <a:pPr marL="514350" indent="-514350" algn="just">
@@ -3650,7 +3650,11 @@
             </a:pPr>
             <a:r>
               <a:rPr lang="en-US" sz="3200" dirty="0" smtClean="0"/>
-              <a:t>What words appear most frequently in specific </a:t>
+              <a:t>What </a:t>
+            </a:r>
+            <a:r>
+              <a:rPr lang="en-US" sz="3200" dirty="0" smtClean="0"/>
+              <a:t>words appear most frequently in specific </a:t>
             </a:r>
             <a:r>
               <a:rPr lang="en-US" sz="3200" dirty="0" err="1" smtClean="0"/>
@@ -3704,43 +3708,25 @@
             <a:pPr algn="just"/>
             <a:r>
               <a:rPr lang="en-US" sz="3200" dirty="0" smtClean="0"/>
-              <a:t>All data was collected in a live stream from </a:t>
+              <a:t>All </a:t>
+            </a:r>
+            <a:r>
+              <a:rPr lang="en-US" sz="3200" dirty="0" smtClean="0"/>
+              <a:t>data was collected in a live stream from </a:t>
             </a:r>
             <a:r>
               <a:rPr lang="en-US" sz="3200" dirty="0" err="1" smtClean="0"/>
               <a:t>Reddit</a:t>
             </a:r>
             <a:r>
+              <a:rPr lang="en-US" sz="3200" dirty="0"/>
+              <a:t> </a:t>
+            </a:r>
+            <a:r>
               <a:rPr lang="en-US" sz="3200" dirty="0" smtClean="0"/>
-              <a:t>.</a:t>
+              <a:t>using Python.</a:t>
             </a:r>
             <a:endParaRPr lang="en-US" sz="3200" dirty="0"/>
-          </a:p>
-          <a:p>
-            <a:pPr marL="514350" indent="-514350" algn="just">
-              <a:buFont typeface="+mj-lt"/>
-              <a:buAutoNum type="arabicPeriod"/>
-            </a:pPr>
-            <a:endParaRPr lang="en-US" sz="3200" dirty="0" smtClean="0"/>
-          </a:p>
-          <a:p>
-            <a:pPr algn="just"/>
-            <a:endParaRPr lang="en-US" sz="3200" dirty="0" smtClean="0"/>
-          </a:p>
-          <a:p>
-            <a:pPr marL="514350" indent="-514350" algn="just">
-              <a:buFont typeface="+mj-lt"/>
-              <a:buAutoNum type="arabicPeriod"/>
-            </a:pPr>
-            <a:endParaRPr lang="en-US" sz="3200" dirty="0" smtClean="0"/>
-          </a:p>
-          <a:p>
-            <a:pPr algn="just"/>
-            <a:endParaRPr lang="en-US" sz="3200" dirty="0"/>
-          </a:p>
-          <a:p>
-            <a:pPr algn="just"/>
-            <a:endParaRPr lang="en-US" sz="3200" dirty="0" smtClean="0"/>
           </a:p>
         </p:txBody>
       </p:sp>
@@ -3766,7 +3752,7 @@
         </p:blipFill>
         <p:spPr>
           <a:xfrm>
-            <a:off x="11372126" y="6970022"/>
+            <a:off x="11372126" y="6462022"/>
             <a:ext cx="5158736" cy="3438144"/>
           </a:xfrm>
           <a:prstGeom prst="rect">
@@ -3796,7 +3782,7 @@
         </p:blipFill>
         <p:spPr>
           <a:xfrm>
-            <a:off x="16317244" y="7011413"/>
+            <a:off x="16317244" y="6503413"/>
             <a:ext cx="5341882" cy="3440621"/>
           </a:xfrm>
           <a:prstGeom prst="rect">
@@ -3812,7 +3798,7 @@
         </p:nvSpPr>
         <p:spPr>
           <a:xfrm>
-            <a:off x="11372126" y="5441753"/>
+            <a:off x="11372126" y="4933753"/>
             <a:ext cx="10287000" cy="1569660"/>
           </a:xfrm>
           <a:prstGeom prst="rect">
@@ -3837,11 +3823,7 @@
             </a:r>
             <a:r>
               <a:rPr lang="en-US" sz="3200" dirty="0" smtClean="0"/>
-              <a:t>similar </a:t>
-            </a:r>
-            <a:r>
-              <a:rPr lang="en-US" sz="3200" dirty="0" smtClean="0"/>
-              <a:t>interests </a:t>
+              <a:t>similar interests </a:t>
             </a:r>
             <a:r>
               <a:rPr lang="en-US" sz="3200" dirty="0" err="1" smtClean="0"/>
@@ -3882,7 +3864,7 @@
         </p:nvSpPr>
         <p:spPr>
           <a:xfrm>
-            <a:off x="22570261" y="5441753"/>
+            <a:off x="22570261" y="4933753"/>
             <a:ext cx="10287000" cy="2062103"/>
           </a:xfrm>
           <a:prstGeom prst="rect">
@@ -3930,13 +3912,13 @@
           <p:nvPr>
             <p:extLst>
               <p:ext uri="{D42A27DB-BD31-4B8C-83A1-F6EECF244321}">
-                <p14:modId xmlns:p14="http://schemas.microsoft.com/office/powerpoint/2010/main" val="3730748340"/>
+                <p14:modId xmlns:p14="http://schemas.microsoft.com/office/powerpoint/2010/main" val="2894359973"/>
               </p:ext>
             </p:extLst>
           </p:nvPr>
         </p:nvGraphicFramePr>
         <p:xfrm>
-          <a:off x="22570259" y="7590704"/>
+          <a:off x="22570261" y="7269048"/>
           <a:ext cx="10058400" cy="914400"/>
         </p:xfrm>
         <a:graphic>
@@ -4130,7 +4112,7 @@
         </p:nvSpPr>
         <p:spPr>
           <a:xfrm>
-            <a:off x="22570259" y="8538367"/>
+            <a:off x="22570261" y="8367001"/>
             <a:ext cx="10058400" cy="461665"/>
           </a:xfrm>
           <a:prstGeom prst="rect">
@@ -4146,7 +4128,15 @@
           <a:p>
             <a:r>
               <a:rPr lang="en-US" sz="2400" b="1" dirty="0" smtClean="0"/>
-              <a:t>Table 1 – </a:t>
+              <a:t>Table </a:t>
+            </a:r>
+            <a:r>
+              <a:rPr lang="en-US" sz="2400" b="1" dirty="0" smtClean="0"/>
+              <a:t>4 </a:t>
+            </a:r>
+            <a:r>
+              <a:rPr lang="en-US" sz="2400" b="1" dirty="0" smtClean="0"/>
+              <a:t>– </a:t>
             </a:r>
             <a:r>
               <a:rPr lang="en-US" sz="2400" dirty="0" smtClean="0"/>
@@ -4173,13 +4163,13 @@
           <p:nvPr>
             <p:extLst>
               <p:ext uri="{D42A27DB-BD31-4B8C-83A1-F6EECF244321}">
-                <p14:modId xmlns:p14="http://schemas.microsoft.com/office/powerpoint/2010/main" val="102643627"/>
+                <p14:modId xmlns:p14="http://schemas.microsoft.com/office/powerpoint/2010/main" val="1958027209"/>
               </p:ext>
             </p:extLst>
           </p:nvPr>
         </p:nvGraphicFramePr>
         <p:xfrm>
-          <a:off x="22570259" y="9351167"/>
+          <a:off x="22570261" y="9053226"/>
           <a:ext cx="10058400" cy="914400"/>
         </p:xfrm>
         <a:graphic>
@@ -4361,7 +4351,7 @@
         </p:nvSpPr>
         <p:spPr>
           <a:xfrm>
-            <a:off x="22570259" y="10298830"/>
+            <a:off x="22570259" y="10272491"/>
             <a:ext cx="10058400" cy="461665"/>
           </a:xfrm>
           <a:prstGeom prst="rect">
@@ -4377,7 +4367,15 @@
           <a:p>
             <a:r>
               <a:rPr lang="en-US" sz="2400" b="1" dirty="0" smtClean="0"/>
-              <a:t>Table 2 – </a:t>
+              <a:t>Table </a:t>
+            </a:r>
+            <a:r>
+              <a:rPr lang="en-US" sz="2400" b="1" dirty="0" smtClean="0"/>
+              <a:t>5 </a:t>
+            </a:r>
+            <a:r>
+              <a:rPr lang="en-US" sz="2400" b="1" dirty="0" smtClean="0"/>
+              <a:t>– </a:t>
             </a:r>
             <a:r>
               <a:rPr lang="en-US" sz="2400" dirty="0" smtClean="0"/>
@@ -4404,13 +4402,13 @@
           <p:nvPr>
             <p:extLst>
               <p:ext uri="{D42A27DB-BD31-4B8C-83A1-F6EECF244321}">
-                <p14:modId xmlns:p14="http://schemas.microsoft.com/office/powerpoint/2010/main" val="3302907811"/>
+                <p14:modId xmlns:p14="http://schemas.microsoft.com/office/powerpoint/2010/main" val="3201640519"/>
               </p:ext>
             </p:extLst>
           </p:nvPr>
         </p:nvGraphicFramePr>
         <p:xfrm>
-          <a:off x="22570259" y="10986195"/>
+          <a:off x="22570259" y="11001551"/>
           <a:ext cx="10058400" cy="914400"/>
         </p:xfrm>
         <a:graphic>
@@ -4592,7 +4590,7 @@
         </p:nvSpPr>
         <p:spPr>
           <a:xfrm>
-            <a:off x="22570259" y="11933858"/>
+            <a:off x="22570259" y="12240829"/>
             <a:ext cx="10058400" cy="830997"/>
           </a:xfrm>
           <a:prstGeom prst="rect">
@@ -4609,7 +4607,15 @@
             <a:pPr algn="just"/>
             <a:r>
               <a:rPr lang="en-US" sz="2400" b="1" dirty="0" smtClean="0"/>
-              <a:t>Table 3 – </a:t>
+              <a:t>Table </a:t>
+            </a:r>
+            <a:r>
+              <a:rPr lang="en-US" sz="2400" b="1" dirty="0" smtClean="0"/>
+              <a:t>6 </a:t>
+            </a:r>
+            <a:r>
+              <a:rPr lang="en-US" sz="2400" b="1" dirty="0" smtClean="0"/>
+              <a:t>– </a:t>
             </a:r>
             <a:r>
               <a:rPr lang="en-US" sz="2400" dirty="0" smtClean="0"/>
@@ -4639,7 +4645,7 @@
         </p:nvSpPr>
         <p:spPr>
           <a:xfrm>
-            <a:off x="11372126" y="10280297"/>
+            <a:off x="11372126" y="9772297"/>
             <a:ext cx="10287000" cy="1200328"/>
           </a:xfrm>
           <a:prstGeom prst="rect">
@@ -4656,7 +4662,19 @@
             <a:pPr algn="just"/>
             <a:r>
               <a:rPr lang="en-US" sz="2400" b="1" dirty="0" smtClean="0"/>
-              <a:t>Figure ?? – </a:t>
+              <a:t>Figure </a:t>
+            </a:r>
+            <a:r>
+              <a:rPr lang="en-US" sz="2400" b="1" dirty="0"/>
+              <a:t>3</a:t>
+            </a:r>
+            <a:r>
+              <a:rPr lang="en-US" sz="2400" b="1" dirty="0" smtClean="0"/>
+              <a:t> </a:t>
+            </a:r>
+            <a:r>
+              <a:rPr lang="en-US" sz="2400" b="1" dirty="0" smtClean="0"/>
+              <a:t>– </a:t>
             </a:r>
             <a:r>
               <a:rPr lang="en-US" sz="2400" dirty="0" err="1" smtClean="0"/>
@@ -4686,8 +4704,8 @@
         </p:nvSpPr>
         <p:spPr>
           <a:xfrm>
-            <a:off x="22570261" y="14630400"/>
-            <a:ext cx="10058400" cy="4524315"/>
+            <a:off x="22570259" y="15235543"/>
+            <a:ext cx="10058400" cy="6494085"/>
           </a:xfrm>
           <a:prstGeom prst="rect">
             <a:avLst/>
@@ -4700,13 +4718,14 @@
           </a:bodyPr>
           <a:lstStyle/>
           <a:p>
+            <a:pPr algn="just"/>
             <a:r>
               <a:rPr lang="en-US" sz="3200" dirty="0" smtClean="0"/>
               <a:t>We find:</a:t>
             </a:r>
           </a:p>
           <a:p>
-            <a:pPr marL="514350" indent="-514350">
+            <a:pPr marL="514350" indent="-514350" algn="just">
               <a:buFont typeface="+mj-lt"/>
               <a:buAutoNum type="arabicPeriod"/>
             </a:pPr>
@@ -4716,7 +4735,7 @@
             </a:r>
           </a:p>
           <a:p>
-            <a:pPr marL="514350" indent="-514350">
+            <a:pPr marL="514350" indent="-514350" algn="just">
               <a:buFont typeface="+mj-lt"/>
               <a:buAutoNum type="arabicPeriod"/>
             </a:pPr>
@@ -4726,7 +4745,7 @@
             </a:r>
           </a:p>
           <a:p>
-            <a:pPr marL="514350" indent="-514350">
+            <a:pPr marL="514350" indent="-514350" algn="just">
               <a:buFont typeface="+mj-lt"/>
               <a:buAutoNum type="arabicPeriod"/>
             </a:pPr>
@@ -4740,8 +4759,44 @@
             </a:r>
             <a:r>
               <a:rPr lang="en-US" sz="3200" dirty="0" smtClean="0"/>
-              <a:t> posts by examining user postings</a:t>
-            </a:r>
+              <a:t> posts by examining user </a:t>
+            </a:r>
+            <a:r>
+              <a:rPr lang="en-US" sz="3200" dirty="0" smtClean="0"/>
+              <a:t>postings</a:t>
+            </a:r>
+          </a:p>
+          <a:p>
+            <a:pPr algn="just"/>
+            <a:r>
+              <a:rPr lang="en-US" sz="3200" dirty="0" smtClean="0"/>
+              <a:t>In the future we would like to look at using user clusters to define low dimensional </a:t>
+            </a:r>
+            <a:r>
+              <a:rPr lang="en-US" sz="3200" dirty="0" err="1" smtClean="0"/>
+              <a:t>embeddings</a:t>
+            </a:r>
+            <a:r>
+              <a:rPr lang="en-US" sz="3200" dirty="0" smtClean="0"/>
+              <a:t> of users.  It would also be interesting to use </a:t>
+            </a:r>
+            <a:r>
+              <a:rPr lang="en-US" sz="3200" dirty="0" err="1" smtClean="0"/>
+              <a:t>Misra-Gries</a:t>
+            </a:r>
+            <a:r>
+              <a:rPr lang="en-US" sz="3200" dirty="0" smtClean="0"/>
+              <a:t> to assess  post similarity and compare this method to that of the </a:t>
+            </a:r>
+            <a:r>
+              <a:rPr lang="en-US" sz="3200" dirty="0" err="1" smtClean="0"/>
+              <a:t>Jaccard</a:t>
+            </a:r>
+            <a:r>
+              <a:rPr lang="en-US" sz="3200" dirty="0" smtClean="0"/>
+              <a:t> similarity.</a:t>
+            </a:r>
+            <a:endParaRPr lang="en-US" sz="3200" dirty="0" smtClean="0"/>
           </a:p>
           <a:p>
             <a:pPr marL="514350" indent="-514350">
@@ -4768,13 +4823,13 @@
           <p:nvPr>
             <p:extLst>
               <p:ext uri="{D42A27DB-BD31-4B8C-83A1-F6EECF244321}">
-                <p14:modId xmlns:p14="http://schemas.microsoft.com/office/powerpoint/2010/main" val="1581464656"/>
+                <p14:modId xmlns:p14="http://schemas.microsoft.com/office/powerpoint/2010/main" val="480945453"/>
               </p:ext>
             </p:extLst>
           </p:nvPr>
         </p:nvGraphicFramePr>
         <p:xfrm>
-          <a:off x="11372126" y="11733167"/>
+          <a:off x="11372126" y="11214776"/>
           <a:ext cx="6172200" cy="2286000"/>
         </p:xfrm>
         <a:graphic>
@@ -5047,7 +5102,7 @@
         </p:nvSpPr>
         <p:spPr>
           <a:xfrm>
-            <a:off x="17857288" y="11733167"/>
+            <a:off x="17857288" y="11225167"/>
             <a:ext cx="3801838" cy="2677656"/>
           </a:xfrm>
           <a:prstGeom prst="rect">
@@ -5077,6 +5132,853 @@
             <a:r>
               <a:rPr lang="en-US" sz="2400" dirty="0" smtClean="0"/>
               <a:t> that gave the same average distance between points as vanilla k-means were used to assess speed. </a:t>
+            </a:r>
+            <a:endParaRPr lang="en-US" sz="2400" b="1" dirty="0"/>
+          </a:p>
+        </p:txBody>
+      </p:sp>
+      <p:pic>
+        <p:nvPicPr>
+          <p:cNvPr id="25" name="Picture 24"/>
+          <p:cNvPicPr/>
+          <p:nvPr/>
+        </p:nvPicPr>
+        <p:blipFill>
+          <a:blip r:embed="rId4"/>
+          <a:stretch>
+            <a:fillRect/>
+          </a:stretch>
+        </p:blipFill>
+        <p:spPr>
+          <a:xfrm>
+            <a:off x="10909973" y="15235543"/>
+            <a:ext cx="6426200" cy="3200400"/>
+          </a:xfrm>
+          <a:prstGeom prst="rect">
+            <a:avLst/>
+          </a:prstGeom>
+          <a:ln>
+            <a:noFill/>
+          </a:ln>
+        </p:spPr>
+      </p:pic>
+      <p:pic>
+        <p:nvPicPr>
+          <p:cNvPr id="7" name="Picture 6" descr="worldnews.png"/>
+          <p:cNvPicPr>
+            <a:picLocks noChangeAspect="1"/>
+          </p:cNvPicPr>
+          <p:nvPr/>
+        </p:nvPicPr>
+        <p:blipFill>
+          <a:blip r:embed="rId5">
+            <a:extLst>
+              <a:ext uri="{28A0092B-C50C-407E-A947-70E740481C1C}">
+                <a14:useLocalDpi xmlns:a14="http://schemas.microsoft.com/office/drawing/2010/main" val="0"/>
+              </a:ext>
+            </a:extLst>
+          </a:blip>
+          <a:stretch>
+            <a:fillRect/>
+          </a:stretch>
+        </p:blipFill>
+        <p:spPr>
+          <a:xfrm>
+            <a:off x="176636" y="15235543"/>
+            <a:ext cx="6426200" cy="3200400"/>
+          </a:xfrm>
+          <a:prstGeom prst="rect">
+            <a:avLst/>
+          </a:prstGeom>
+        </p:spPr>
+      </p:pic>
+      <p:graphicFrame>
+        <p:nvGraphicFramePr>
+          <p:cNvPr id="29" name="Table 28"/>
+          <p:cNvGraphicFramePr>
+            <a:graphicFrameLocks noGrp="1"/>
+          </p:cNvGraphicFramePr>
+          <p:nvPr>
+            <p:extLst>
+              <p:ext uri="{D42A27DB-BD31-4B8C-83A1-F6EECF244321}">
+                <p14:modId xmlns:p14="http://schemas.microsoft.com/office/powerpoint/2010/main" val="1604991335"/>
+              </p:ext>
+            </p:extLst>
+          </p:nvPr>
+        </p:nvGraphicFramePr>
+        <p:xfrm>
+          <a:off x="176636" y="18809376"/>
+          <a:ext cx="6426201" cy="2286000"/>
+        </p:xfrm>
+        <a:graphic>
+          <a:graphicData uri="http://schemas.openxmlformats.org/drawingml/2006/table">
+            <a:tbl>
+              <a:tblPr firstRow="1" bandRow="1">
+                <a:tableStyleId>{5C22544A-7EE6-4342-B048-85BDC9FD1C3A}</a:tableStyleId>
+              </a:tblPr>
+              <a:tblGrid>
+                <a:gridCol w="2142067"/>
+                <a:gridCol w="2142067"/>
+                <a:gridCol w="2142067"/>
+              </a:tblGrid>
+              <a:tr h="417683">
+                <a:tc>
+                  <a:txBody>
+                    <a:bodyPr/>
+                    <a:lstStyle/>
+                    <a:p>
+                      <a:pPr algn="ctr"/>
+                      <a:r>
+                        <a:rPr lang="en-US" sz="2400" dirty="0" smtClean="0"/>
+                        <a:t>Word</a:t>
+                      </a:r>
+                      <a:endParaRPr lang="en-US" sz="2400" dirty="0"/>
+                    </a:p>
+                  </a:txBody>
+                  <a:tcPr/>
+                </a:tc>
+                <a:tc>
+                  <a:txBody>
+                    <a:bodyPr/>
+                    <a:lstStyle/>
+                    <a:p>
+                      <a:pPr algn="ctr"/>
+                      <a:r>
+                        <a:rPr lang="en-US" sz="2400" dirty="0" smtClean="0"/>
+                        <a:t>Frequency</a:t>
+                      </a:r>
+                      <a:endParaRPr lang="en-US" sz="2400" dirty="0"/>
+                    </a:p>
+                  </a:txBody>
+                  <a:tcPr/>
+                </a:tc>
+                <a:tc>
+                  <a:txBody>
+                    <a:bodyPr/>
+                    <a:lstStyle/>
+                    <a:p>
+                      <a:pPr algn="ctr"/>
+                      <a:r>
+                        <a:rPr lang="en-US" sz="2400" dirty="0" smtClean="0"/>
+                        <a:t>Proportion</a:t>
+                      </a:r>
+                      <a:endParaRPr lang="en-US" sz="2400" dirty="0"/>
+                    </a:p>
+                  </a:txBody>
+                  <a:tcPr/>
+                </a:tc>
+              </a:tr>
+              <a:tr h="449813">
+                <a:tc>
+                  <a:txBody>
+                    <a:bodyPr/>
+                    <a:lstStyle/>
+                    <a:p>
+                      <a:pPr algn="ctr"/>
+                      <a:r>
+                        <a:rPr lang="en-US" sz="2400" dirty="0" smtClean="0"/>
+                        <a:t>People</a:t>
+                      </a:r>
+                      <a:endParaRPr lang="en-US" sz="2400" dirty="0"/>
+                    </a:p>
+                  </a:txBody>
+                  <a:tcPr/>
+                </a:tc>
+                <a:tc>
+                  <a:txBody>
+                    <a:bodyPr/>
+                    <a:lstStyle/>
+                    <a:p>
+                      <a:pPr algn="ctr"/>
+                      <a:r>
+                        <a:rPr lang="en-US" sz="2400" dirty="0" smtClean="0"/>
+                        <a:t>284</a:t>
+                      </a:r>
+                      <a:endParaRPr lang="en-US" sz="2400" dirty="0"/>
+                    </a:p>
+                  </a:txBody>
+                  <a:tcPr/>
+                </a:tc>
+                <a:tc>
+                  <a:txBody>
+                    <a:bodyPr/>
+                    <a:lstStyle/>
+                    <a:p>
+                      <a:pPr algn="ctr"/>
+                      <a:r>
+                        <a:rPr lang="en-US" sz="2400" dirty="0" smtClean="0"/>
+                        <a:t>.095</a:t>
+                      </a:r>
+                      <a:endParaRPr lang="en-US" sz="2400" dirty="0"/>
+                    </a:p>
+                  </a:txBody>
+                  <a:tcPr/>
+                </a:tc>
+              </a:tr>
+              <a:tr h="449813">
+                <a:tc>
+                  <a:txBody>
+                    <a:bodyPr/>
+                    <a:lstStyle/>
+                    <a:p>
+                      <a:pPr algn="ctr"/>
+                      <a:r>
+                        <a:rPr lang="en-US" sz="2400" dirty="0" smtClean="0"/>
+                        <a:t>US</a:t>
+                      </a:r>
+                      <a:endParaRPr lang="en-US" sz="2400" dirty="0"/>
+                    </a:p>
+                  </a:txBody>
+                  <a:tcPr/>
+                </a:tc>
+                <a:tc>
+                  <a:txBody>
+                    <a:bodyPr/>
+                    <a:lstStyle/>
+                    <a:p>
+                      <a:pPr algn="ctr"/>
+                      <a:r>
+                        <a:rPr lang="en-US" sz="2400" dirty="0" smtClean="0"/>
+                        <a:t>65</a:t>
+                      </a:r>
+                      <a:endParaRPr lang="en-US" sz="2400" dirty="0"/>
+                    </a:p>
+                  </a:txBody>
+                  <a:tcPr/>
+                </a:tc>
+                <a:tc>
+                  <a:txBody>
+                    <a:bodyPr/>
+                    <a:lstStyle/>
+                    <a:p>
+                      <a:pPr algn="ctr"/>
+                      <a:r>
+                        <a:rPr lang="en-US" sz="2400" dirty="0" smtClean="0"/>
+                        <a:t>.022</a:t>
+                      </a:r>
+                      <a:endParaRPr lang="en-US" sz="2400" dirty="0"/>
+                    </a:p>
+                  </a:txBody>
+                  <a:tcPr/>
+                </a:tc>
+              </a:tr>
+              <a:tr h="449813">
+                <a:tc>
+                  <a:txBody>
+                    <a:bodyPr/>
+                    <a:lstStyle/>
+                    <a:p>
+                      <a:pPr algn="ctr"/>
+                      <a:r>
+                        <a:rPr lang="en-US" sz="2400" dirty="0" smtClean="0"/>
+                        <a:t>Israel</a:t>
+                      </a:r>
+                      <a:endParaRPr lang="en-US" sz="2400" dirty="0"/>
+                    </a:p>
+                  </a:txBody>
+                  <a:tcPr/>
+                </a:tc>
+                <a:tc>
+                  <a:txBody>
+                    <a:bodyPr/>
+                    <a:lstStyle/>
+                    <a:p>
+                      <a:pPr algn="ctr"/>
+                      <a:r>
+                        <a:rPr lang="en-US" sz="2400" dirty="0" smtClean="0"/>
+                        <a:t>24</a:t>
+                      </a:r>
+                      <a:endParaRPr lang="en-US" sz="2400" dirty="0"/>
+                    </a:p>
+                  </a:txBody>
+                  <a:tcPr/>
+                </a:tc>
+                <a:tc>
+                  <a:txBody>
+                    <a:bodyPr/>
+                    <a:lstStyle/>
+                    <a:p>
+                      <a:pPr algn="ctr"/>
+                      <a:r>
+                        <a:rPr lang="en-US" sz="2400" dirty="0" smtClean="0"/>
+                        <a:t>.008</a:t>
+                      </a:r>
+                      <a:endParaRPr lang="en-US" sz="2400" dirty="0"/>
+                    </a:p>
+                  </a:txBody>
+                  <a:tcPr/>
+                </a:tc>
+              </a:tr>
+              <a:tr h="449813">
+                <a:tc>
+                  <a:txBody>
+                    <a:bodyPr/>
+                    <a:lstStyle/>
+                    <a:p>
+                      <a:pPr algn="ctr"/>
+                      <a:r>
+                        <a:rPr lang="en-US" sz="2400" dirty="0" smtClean="0"/>
+                        <a:t>Russia</a:t>
+                      </a:r>
+                      <a:endParaRPr lang="en-US" sz="2400" dirty="0"/>
+                    </a:p>
+                  </a:txBody>
+                  <a:tcPr/>
+                </a:tc>
+                <a:tc>
+                  <a:txBody>
+                    <a:bodyPr/>
+                    <a:lstStyle/>
+                    <a:p>
+                      <a:pPr algn="ctr"/>
+                      <a:r>
+                        <a:rPr lang="en-US" sz="2400" dirty="0" smtClean="0"/>
+                        <a:t>13</a:t>
+                      </a:r>
+                      <a:endParaRPr lang="en-US" sz="2400" dirty="0"/>
+                    </a:p>
+                  </a:txBody>
+                  <a:tcPr/>
+                </a:tc>
+                <a:tc>
+                  <a:txBody>
+                    <a:bodyPr/>
+                    <a:lstStyle/>
+                    <a:p>
+                      <a:pPr algn="ctr"/>
+                      <a:r>
+                        <a:rPr lang="en-US" sz="2400" dirty="0" smtClean="0"/>
+                        <a:t>.004</a:t>
+                      </a:r>
+                      <a:endParaRPr lang="en-US" sz="2400" dirty="0"/>
+                    </a:p>
+                  </a:txBody>
+                  <a:tcPr/>
+                </a:tc>
+              </a:tr>
+            </a:tbl>
+          </a:graphicData>
+        </a:graphic>
+      </p:graphicFrame>
+      <p:graphicFrame>
+        <p:nvGraphicFramePr>
+          <p:cNvPr id="30" name="Table 29"/>
+          <p:cNvGraphicFramePr>
+            <a:graphicFrameLocks noGrp="1"/>
+          </p:cNvGraphicFramePr>
+          <p:nvPr>
+            <p:extLst>
+              <p:ext uri="{D42A27DB-BD31-4B8C-83A1-F6EECF244321}">
+                <p14:modId xmlns:p14="http://schemas.microsoft.com/office/powerpoint/2010/main" val="2401980076"/>
+              </p:ext>
+            </p:extLst>
+          </p:nvPr>
+        </p:nvGraphicFramePr>
+        <p:xfrm>
+          <a:off x="10909972" y="18809376"/>
+          <a:ext cx="6426201" cy="2286000"/>
+        </p:xfrm>
+        <a:graphic>
+          <a:graphicData uri="http://schemas.openxmlformats.org/drawingml/2006/table">
+            <a:tbl>
+              <a:tblPr firstRow="1" bandRow="1">
+                <a:tableStyleId>{5C22544A-7EE6-4342-B048-85BDC9FD1C3A}</a:tableStyleId>
+              </a:tblPr>
+              <a:tblGrid>
+                <a:gridCol w="2142067"/>
+                <a:gridCol w="2142067"/>
+                <a:gridCol w="2142067"/>
+              </a:tblGrid>
+              <a:tr h="417683">
+                <a:tc>
+                  <a:txBody>
+                    <a:bodyPr/>
+                    <a:lstStyle/>
+                    <a:p>
+                      <a:pPr algn="ctr"/>
+                      <a:r>
+                        <a:rPr lang="en-US" sz="2400" dirty="0" smtClean="0"/>
+                        <a:t>Word</a:t>
+                      </a:r>
+                      <a:endParaRPr lang="en-US" sz="2400" dirty="0"/>
+                    </a:p>
+                  </a:txBody>
+                  <a:tcPr/>
+                </a:tc>
+                <a:tc>
+                  <a:txBody>
+                    <a:bodyPr/>
+                    <a:lstStyle/>
+                    <a:p>
+                      <a:pPr algn="ctr"/>
+                      <a:r>
+                        <a:rPr lang="en-US" sz="2400" dirty="0" smtClean="0"/>
+                        <a:t>Frequency</a:t>
+                      </a:r>
+                      <a:endParaRPr lang="en-US" sz="2400" dirty="0"/>
+                    </a:p>
+                  </a:txBody>
+                  <a:tcPr/>
+                </a:tc>
+                <a:tc>
+                  <a:txBody>
+                    <a:bodyPr/>
+                    <a:lstStyle/>
+                    <a:p>
+                      <a:pPr algn="ctr"/>
+                      <a:r>
+                        <a:rPr lang="en-US" sz="2400" dirty="0" smtClean="0"/>
+                        <a:t>Proportion</a:t>
+                      </a:r>
+                      <a:endParaRPr lang="en-US" sz="2400" dirty="0"/>
+                    </a:p>
+                  </a:txBody>
+                  <a:tcPr/>
+                </a:tc>
+              </a:tr>
+              <a:tr h="449813">
+                <a:tc>
+                  <a:txBody>
+                    <a:bodyPr/>
+                    <a:lstStyle/>
+                    <a:p>
+                      <a:pPr algn="ctr"/>
+                      <a:r>
+                        <a:rPr lang="en-US" sz="2400" dirty="0" smtClean="0"/>
+                        <a:t>Dog</a:t>
+                      </a:r>
+                      <a:endParaRPr lang="en-US" sz="2400" dirty="0"/>
+                    </a:p>
+                  </a:txBody>
+                  <a:tcPr/>
+                </a:tc>
+                <a:tc>
+                  <a:txBody>
+                    <a:bodyPr/>
+                    <a:lstStyle/>
+                    <a:p>
+                      <a:pPr algn="ctr"/>
+                      <a:r>
+                        <a:rPr lang="en-US" sz="2400" dirty="0" smtClean="0"/>
+                        <a:t>284</a:t>
+                      </a:r>
+                      <a:endParaRPr lang="en-US" sz="2400" dirty="0"/>
+                    </a:p>
+                  </a:txBody>
+                  <a:tcPr/>
+                </a:tc>
+                <a:tc>
+                  <a:txBody>
+                    <a:bodyPr/>
+                    <a:lstStyle/>
+                    <a:p>
+                      <a:pPr algn="ctr"/>
+                      <a:r>
+                        <a:rPr lang="en-US" sz="2400" dirty="0" smtClean="0"/>
+                        <a:t>.576</a:t>
+                      </a:r>
+                      <a:endParaRPr lang="en-US" sz="2400" dirty="0"/>
+                    </a:p>
+                  </a:txBody>
+                  <a:tcPr/>
+                </a:tc>
+              </a:tr>
+              <a:tr h="449813">
+                <a:tc>
+                  <a:txBody>
+                    <a:bodyPr/>
+                    <a:lstStyle/>
+                    <a:p>
+                      <a:pPr algn="ctr"/>
+                      <a:r>
+                        <a:rPr lang="en-US" sz="2400" dirty="0" smtClean="0"/>
+                        <a:t>Cat</a:t>
+                      </a:r>
+                      <a:endParaRPr lang="en-US" sz="2400" dirty="0"/>
+                    </a:p>
+                  </a:txBody>
+                  <a:tcPr/>
+                </a:tc>
+                <a:tc>
+                  <a:txBody>
+                    <a:bodyPr/>
+                    <a:lstStyle/>
+                    <a:p>
+                      <a:pPr algn="ctr"/>
+                      <a:r>
+                        <a:rPr lang="en-US" sz="2400" dirty="0" smtClean="0"/>
+                        <a:t>65</a:t>
+                      </a:r>
+                      <a:endParaRPr lang="en-US" sz="2400" dirty="0"/>
+                    </a:p>
+                  </a:txBody>
+                  <a:tcPr/>
+                </a:tc>
+                <a:tc>
+                  <a:txBody>
+                    <a:bodyPr/>
+                    <a:lstStyle/>
+                    <a:p>
+                      <a:pPr algn="ctr"/>
+                      <a:r>
+                        <a:rPr lang="en-US" sz="2400" dirty="0" smtClean="0"/>
+                        <a:t>.327</a:t>
+                      </a:r>
+                      <a:endParaRPr lang="en-US" sz="2400" dirty="0"/>
+                    </a:p>
+                  </a:txBody>
+                  <a:tcPr/>
+                </a:tc>
+              </a:tr>
+              <a:tr h="449813">
+                <a:tc>
+                  <a:txBody>
+                    <a:bodyPr/>
+                    <a:lstStyle/>
+                    <a:p>
+                      <a:pPr algn="ctr"/>
+                      <a:r>
+                        <a:rPr lang="en-US" sz="2400" dirty="0" smtClean="0"/>
+                        <a:t>Dogs</a:t>
+                      </a:r>
+                      <a:endParaRPr lang="en-US" sz="2400" dirty="0"/>
+                    </a:p>
+                  </a:txBody>
+                  <a:tcPr/>
+                </a:tc>
+                <a:tc>
+                  <a:txBody>
+                    <a:bodyPr/>
+                    <a:lstStyle/>
+                    <a:p>
+                      <a:pPr algn="ctr"/>
+                      <a:r>
+                        <a:rPr lang="en-US" sz="2400" dirty="0" smtClean="0"/>
+                        <a:t>24</a:t>
+                      </a:r>
+                      <a:endParaRPr lang="en-US" sz="2400" dirty="0"/>
+                    </a:p>
+                  </a:txBody>
+                  <a:tcPr/>
+                </a:tc>
+                <a:tc>
+                  <a:txBody>
+                    <a:bodyPr/>
+                    <a:lstStyle/>
+                    <a:p>
+                      <a:pPr algn="ctr"/>
+                      <a:r>
+                        <a:rPr lang="en-US" sz="2400" dirty="0" smtClean="0"/>
+                        <a:t>.071</a:t>
+                      </a:r>
+                      <a:endParaRPr lang="en-US" sz="2400" dirty="0"/>
+                    </a:p>
+                  </a:txBody>
+                  <a:tcPr/>
+                </a:tc>
+              </a:tr>
+              <a:tr h="449813">
+                <a:tc>
+                  <a:txBody>
+                    <a:bodyPr/>
+                    <a:lstStyle/>
+                    <a:p>
+                      <a:pPr algn="ctr"/>
+                      <a:r>
+                        <a:rPr lang="en-US" sz="2400" dirty="0" smtClean="0"/>
+                        <a:t>time</a:t>
+                      </a:r>
+                      <a:endParaRPr lang="en-US" sz="2400" dirty="0"/>
+                    </a:p>
+                  </a:txBody>
+                  <a:tcPr/>
+                </a:tc>
+                <a:tc>
+                  <a:txBody>
+                    <a:bodyPr/>
+                    <a:lstStyle/>
+                    <a:p>
+                      <a:pPr algn="ctr"/>
+                      <a:r>
+                        <a:rPr lang="en-US" sz="2400" dirty="0" smtClean="0"/>
+                        <a:t>13</a:t>
+                      </a:r>
+                      <a:endParaRPr lang="en-US" sz="2400" dirty="0"/>
+                    </a:p>
+                  </a:txBody>
+                  <a:tcPr/>
+                </a:tc>
+                <a:tc>
+                  <a:txBody>
+                    <a:bodyPr/>
+                    <a:lstStyle/>
+                    <a:p>
+                      <a:pPr algn="ctr"/>
+                      <a:r>
+                        <a:rPr lang="en-US" sz="2400" dirty="0" smtClean="0"/>
+                        <a:t>.019</a:t>
+                      </a:r>
+                      <a:endParaRPr lang="en-US" sz="2400" dirty="0"/>
+                    </a:p>
+                  </a:txBody>
+                  <a:tcPr/>
+                </a:tc>
+              </a:tr>
+            </a:tbl>
+          </a:graphicData>
+        </a:graphic>
+      </p:graphicFrame>
+      <p:sp>
+        <p:nvSpPr>
+          <p:cNvPr id="32" name="TextBox 31"/>
+          <p:cNvSpPr txBox="1"/>
+          <p:nvPr/>
+        </p:nvSpPr>
+        <p:spPr>
+          <a:xfrm>
+            <a:off x="17697649" y="15235542"/>
+            <a:ext cx="3961476" cy="2677656"/>
+          </a:xfrm>
+          <a:prstGeom prst="rect">
+            <a:avLst/>
+          </a:prstGeom>
+          <a:noFill/>
+        </p:spPr>
+        <p:txBody>
+          <a:bodyPr wrap="square" rtlCol="0">
+            <a:spAutoFit/>
+          </a:bodyPr>
+          <a:lstStyle/>
+          <a:p>
+            <a:pPr algn="just"/>
+            <a:r>
+              <a:rPr lang="en-US" sz="2400" b="1" dirty="0"/>
+              <a:t>Figure </a:t>
+            </a:r>
+            <a:r>
+              <a:rPr lang="en-US" sz="2400" b="1" dirty="0" smtClean="0"/>
+              <a:t>2 </a:t>
+            </a:r>
+            <a:r>
+              <a:rPr lang="en-US" sz="2400" b="1" dirty="0"/>
+              <a:t>– </a:t>
+            </a:r>
+            <a:r>
+              <a:rPr lang="en-US" sz="2400" dirty="0"/>
+              <a:t>Most frequently </a:t>
+            </a:r>
+            <a:r>
+              <a:rPr lang="en-US" sz="2400" dirty="0" err="1"/>
+              <a:t>occuring</a:t>
+            </a:r>
+            <a:r>
+              <a:rPr lang="en-US" sz="2400" dirty="0"/>
+              <a:t> words in the </a:t>
+            </a:r>
+            <a:r>
+              <a:rPr lang="en-US" sz="2400" dirty="0" err="1" smtClean="0"/>
+              <a:t>awww</a:t>
+            </a:r>
+            <a:r>
+              <a:rPr lang="en-US" sz="2400" dirty="0" smtClean="0"/>
+              <a:t> </a:t>
+            </a:r>
+            <a:r>
+              <a:rPr lang="en-US" sz="2400" dirty="0" err="1"/>
+              <a:t>subreddit</a:t>
+            </a:r>
+            <a:r>
+              <a:rPr lang="en-US" sz="2400" dirty="0"/>
+              <a:t> found using </a:t>
+            </a:r>
+            <a:r>
+              <a:rPr lang="en-US" sz="2400" dirty="0" err="1"/>
+              <a:t>Misra-Gries</a:t>
+            </a:r>
+            <a:r>
+              <a:rPr lang="en-US" sz="2400" dirty="0"/>
+              <a:t> with k =200</a:t>
+            </a:r>
+            <a:r>
+              <a:rPr lang="en-US" sz="2400" dirty="0" smtClean="0"/>
+              <a:t>. </a:t>
+            </a:r>
+            <a:r>
+              <a:rPr lang="en-US" sz="2400" dirty="0"/>
+              <a:t>All common words were removed, i.e. “the,” “If,” “and”, etc.</a:t>
+            </a:r>
+            <a:endParaRPr lang="en-US" sz="2400" b="1" dirty="0"/>
+          </a:p>
+          <a:p>
+            <a:pPr algn="just"/>
+            <a:endParaRPr lang="en-US" sz="2400" b="1" dirty="0"/>
+          </a:p>
+        </p:txBody>
+      </p:sp>
+      <p:sp>
+        <p:nvSpPr>
+          <p:cNvPr id="14" name="TextBox 13"/>
+          <p:cNvSpPr txBox="1"/>
+          <p:nvPr/>
+        </p:nvSpPr>
+        <p:spPr>
+          <a:xfrm>
+            <a:off x="6927151" y="15235543"/>
+            <a:ext cx="3533840" cy="2677656"/>
+          </a:xfrm>
+          <a:prstGeom prst="rect">
+            <a:avLst/>
+          </a:prstGeom>
+          <a:noFill/>
+        </p:spPr>
+        <p:txBody>
+          <a:bodyPr wrap="square" rtlCol="0">
+            <a:spAutoFit/>
+          </a:bodyPr>
+          <a:lstStyle/>
+          <a:p>
+            <a:pPr algn="just"/>
+            <a:r>
+              <a:rPr lang="en-US" sz="2400" b="1" dirty="0" smtClean="0"/>
+              <a:t>Figure 1 – </a:t>
+            </a:r>
+            <a:r>
+              <a:rPr lang="en-US" sz="2400" dirty="0" smtClean="0"/>
+              <a:t>Most frequently </a:t>
+            </a:r>
+            <a:r>
+              <a:rPr lang="en-US" sz="2400" dirty="0" err="1" smtClean="0"/>
+              <a:t>occuring</a:t>
+            </a:r>
+            <a:r>
+              <a:rPr lang="en-US" sz="2400" dirty="0" smtClean="0"/>
+              <a:t> words in the </a:t>
+            </a:r>
+            <a:r>
+              <a:rPr lang="en-US" sz="2400" dirty="0" err="1" smtClean="0"/>
+              <a:t>worldnews</a:t>
+            </a:r>
+            <a:r>
+              <a:rPr lang="en-US" sz="2400" dirty="0" smtClean="0"/>
+              <a:t> </a:t>
+            </a:r>
+            <a:r>
+              <a:rPr lang="en-US" sz="2400" dirty="0" err="1" smtClean="0"/>
+              <a:t>subreddit</a:t>
+            </a:r>
+            <a:r>
+              <a:rPr lang="en-US" sz="2400" dirty="0" smtClean="0"/>
+              <a:t> found using </a:t>
+            </a:r>
+            <a:r>
+              <a:rPr lang="en-US" sz="2400" dirty="0" err="1" smtClean="0"/>
+              <a:t>Misra-Gries</a:t>
+            </a:r>
+            <a:r>
+              <a:rPr lang="en-US" sz="2400" dirty="0" smtClean="0"/>
+              <a:t> with k =200.  All common words were removed, i.e. “the,” “If,” “and”, etc.</a:t>
+            </a:r>
+            <a:endParaRPr lang="en-US" sz="2400" b="1" dirty="0"/>
+          </a:p>
+        </p:txBody>
+      </p:sp>
+      <p:sp>
+        <p:nvSpPr>
+          <p:cNvPr id="37" name="TextBox 36"/>
+          <p:cNvSpPr txBox="1"/>
+          <p:nvPr/>
+        </p:nvSpPr>
+        <p:spPr>
+          <a:xfrm>
+            <a:off x="6927151" y="18803650"/>
+            <a:ext cx="3533840" cy="1200328"/>
+          </a:xfrm>
+          <a:prstGeom prst="rect">
+            <a:avLst/>
+          </a:prstGeom>
+          <a:noFill/>
+        </p:spPr>
+        <p:txBody>
+          <a:bodyPr wrap="square" rtlCol="0">
+            <a:spAutoFit/>
+          </a:bodyPr>
+          <a:lstStyle/>
+          <a:p>
+            <a:pPr algn="just"/>
+            <a:r>
+              <a:rPr lang="en-US" sz="2400" b="1" dirty="0" smtClean="0"/>
+              <a:t>Table 1 – </a:t>
+            </a:r>
+            <a:r>
+              <a:rPr lang="en-US" sz="2400" dirty="0" smtClean="0"/>
+              <a:t>Break down of word frequency for the </a:t>
+            </a:r>
+            <a:r>
+              <a:rPr lang="en-US" sz="2400" dirty="0" err="1" smtClean="0"/>
+              <a:t>worldnews</a:t>
+            </a:r>
+            <a:r>
+              <a:rPr lang="en-US" sz="2400" dirty="0" smtClean="0"/>
+              <a:t> </a:t>
+            </a:r>
+            <a:r>
+              <a:rPr lang="en-US" sz="2400" dirty="0" err="1" smtClean="0"/>
+              <a:t>subreddit</a:t>
+            </a:r>
+            <a:r>
+              <a:rPr lang="en-US" sz="2400" dirty="0" smtClean="0"/>
+              <a:t>.  </a:t>
+            </a:r>
+            <a:endParaRPr lang="en-US" sz="2400" b="1" dirty="0"/>
+          </a:p>
+        </p:txBody>
+      </p:sp>
+      <p:sp>
+        <p:nvSpPr>
+          <p:cNvPr id="39" name="TextBox 38"/>
+          <p:cNvSpPr txBox="1"/>
+          <p:nvPr/>
+        </p:nvSpPr>
+        <p:spPr>
+          <a:xfrm>
+            <a:off x="17857288" y="18803650"/>
+            <a:ext cx="3533840" cy="1200328"/>
+          </a:xfrm>
+          <a:prstGeom prst="rect">
+            <a:avLst/>
+          </a:prstGeom>
+          <a:noFill/>
+        </p:spPr>
+        <p:txBody>
+          <a:bodyPr wrap="square" rtlCol="0">
+            <a:spAutoFit/>
+          </a:bodyPr>
+          <a:lstStyle/>
+          <a:p>
+            <a:pPr algn="just"/>
+            <a:r>
+              <a:rPr lang="en-US" sz="2400" b="1" dirty="0" smtClean="0"/>
+              <a:t>Table 2 – </a:t>
+            </a:r>
+            <a:r>
+              <a:rPr lang="en-US" sz="2400" dirty="0" smtClean="0"/>
+              <a:t>Break down of word frequency for the  </a:t>
+            </a:r>
+            <a:r>
+              <a:rPr lang="en-US" sz="2400" dirty="0" err="1" smtClean="0"/>
+              <a:t>awww</a:t>
+            </a:r>
+            <a:r>
+              <a:rPr lang="en-US" sz="2400" dirty="0" smtClean="0"/>
+              <a:t> </a:t>
+            </a:r>
+            <a:r>
+              <a:rPr lang="en-US" sz="2400" dirty="0" err="1" smtClean="0"/>
+              <a:t>subreddit</a:t>
+            </a:r>
+            <a:r>
+              <a:rPr lang="en-US" sz="2400" dirty="0" smtClean="0"/>
+              <a:t>.  </a:t>
             </a:r>
             <a:endParaRPr lang="en-US" sz="2400" b="1" dirty="0"/>
           </a:p>
